--- a/AWNCaseStudy2PresentationFinal.pptx
+++ b/AWNCaseStudy2PresentationFinal.pptx
@@ -148,7 +148,7 @@
   </p:defaultTextStyle>
   <p:extLst>
     <p:ext uri="{EFAFB233-063F-42B5-8137-9DF3F51BA10A}">
-      <p15:sldGuideLst xmlns:p15="http://schemas.microsoft.com/office/powerpoint/2012/main" xmlns="">
+      <p15:sldGuideLst xmlns:p15="http://schemas.microsoft.com/office/powerpoint/2012/main">
         <p15:guide id="1" orient="horz" pos="2160">
           <p15:clr>
             <a:srgbClr val="A4A3A4"/>
@@ -163,6 +163,10 @@
     </p:ext>
   </p:extLst>
 </p:presentation>
+</file>
+
+<file path=ppt/revisionInfo.xml><?xml version="1.0" encoding="utf-8"?>
+<p1510:revInfo xmlns:a="http://schemas.openxmlformats.org/drawingml/2006/main" xmlns:r="http://schemas.openxmlformats.org/officeDocument/2006/relationships" xmlns:p1510="http://schemas.microsoft.com/office/powerpoint/2015/10/main"/>
 </file>
 
 <file path=ppt/notesMasters/notesMaster1.xml><?xml version="1.0" encoding="utf-8"?>
@@ -247,7 +251,7 @@
           <a:p>
             <a:fld id="{6FB01A59-CB91-B644-B9E2-5A60563099A0}" type="datetimeFigureOut">
               <a:rPr lang="en-US" smtClean="0"/>
-              <a:t>12/3/17</a:t>
+              <a:t>12/3/2017</a:t>
             </a:fld>
             <a:endParaRPr lang="en-US"/>
           </a:p>
@@ -311,38 +315,37 @@
           <a:p>
             <a:pPr lvl="0"/>
             <a:r>
-              <a:rPr lang="en-US" smtClean="0"/>
+              <a:rPr lang="en-US"/>
               <a:t>Click to edit Master text styles</a:t>
             </a:r>
           </a:p>
           <a:p>
             <a:pPr lvl="1"/>
             <a:r>
-              <a:rPr lang="en-US" smtClean="0"/>
+              <a:rPr lang="en-US"/>
               <a:t>Second level</a:t>
             </a:r>
           </a:p>
           <a:p>
             <a:pPr lvl="2"/>
             <a:r>
-              <a:rPr lang="en-US" smtClean="0"/>
+              <a:rPr lang="en-US"/>
               <a:t>Third level</a:t>
             </a:r>
           </a:p>
           <a:p>
             <a:pPr lvl="3"/>
             <a:r>
-              <a:rPr lang="en-US" smtClean="0"/>
+              <a:rPr lang="en-US"/>
               <a:t>Fourth level</a:t>
             </a:r>
           </a:p>
           <a:p>
             <a:pPr lvl="4"/>
             <a:r>
-              <a:rPr lang="en-US" smtClean="0"/>
+              <a:rPr lang="en-US"/>
               <a:t>Fifth level</a:t>
             </a:r>
-            <a:endParaRPr lang="en-US"/>
           </a:p>
         </p:txBody>
       </p:sp>
@@ -1063,7 +1066,7 @@
           <a:bodyPr/>
           <a:lstStyle/>
           <a:p>
-            <a:endParaRPr lang="en-US" sz="1200" b="0" i="0" kern="1200" dirty="0" smtClean="0">
+            <a:endParaRPr lang="en-US" sz="1200" b="0" i="0" kern="1200" dirty="0">
               <a:solidFill>
                 <a:schemeClr val="tx1"/>
               </a:solidFill>
@@ -1158,7 +1161,7 @@
           <a:bodyPr/>
           <a:lstStyle/>
           <a:p>
-            <a:endParaRPr lang="en-US" sz="1200" b="0" i="0" kern="1200" dirty="0" smtClean="0">
+            <a:endParaRPr lang="en-US" sz="1200" b="0" i="0" kern="1200" dirty="0">
               <a:solidFill>
                 <a:schemeClr val="tx1"/>
               </a:solidFill>
@@ -1253,7 +1256,7 @@
           <a:bodyPr/>
           <a:lstStyle/>
           <a:p>
-            <a:endParaRPr lang="en-US" sz="1200" b="0" i="0" kern="1200" dirty="0" smtClean="0">
+            <a:endParaRPr lang="en-US" sz="1200" b="0" i="0" kern="1200" dirty="0">
               <a:solidFill>
                 <a:schemeClr val="tx1"/>
               </a:solidFill>
@@ -1344,7 +1347,7 @@
           <a:lstStyle/>
           <a:p>
             <a:r>
-              <a:rPr lang="en-US" sz="6600" dirty="0" smtClean="0">
+              <a:rPr lang="en-US" sz="6600" dirty="0">
                 <a:effectLst>
                   <a:outerShdw blurRad="38100" dist="38100" dir="2700000" algn="tl">
                     <a:srgbClr val="000000">
@@ -1356,16 +1359,6 @@
               </a:rPr>
               <a:t>{</a:t>
             </a:r>
-            <a:endParaRPr lang="en-US" sz="6600" dirty="0">
-              <a:effectLst>
-                <a:outerShdw blurRad="38100" dist="38100" dir="2700000" algn="tl">
-                  <a:srgbClr val="000000">
-                    <a:alpha val="43137"/>
-                  </a:srgbClr>
-                </a:outerShdw>
-              </a:effectLst>
-              <a:latin typeface="+mn-lt"/>
-            </a:endParaRPr>
           </a:p>
         </p:txBody>
       </p:sp>
@@ -1400,7 +1393,7 @@
           </a:lstStyle>
           <a:p>
             <a:r>
-              <a:rPr lang="en-US" smtClean="0"/>
+              <a:rPr lang="en-US"/>
               <a:t>Click to edit Master title style</a:t>
             </a:r>
             <a:endParaRPr lang="en-US" dirty="0"/>
@@ -1517,7 +1510,7 @@
           </a:lstStyle>
           <a:p>
             <a:r>
-              <a:rPr lang="en-US" smtClean="0"/>
+              <a:rPr lang="en-US"/>
               <a:t>Click to edit Master subtitle style</a:t>
             </a:r>
             <a:endParaRPr lang="en-US" dirty="0"/>
@@ -1541,7 +1534,7 @@
           <a:p>
             <a:fld id="{2069C06D-4ED8-42C6-905D-CA84CA1B6CBF}" type="datetime2">
               <a:rPr lang="en-US" smtClean="0"/>
-              <a:t>Sunday, December 3, 17</a:t>
+              <a:t>Sunday, December 3, 2017</a:t>
             </a:fld>
             <a:endParaRPr lang="en-US" dirty="0"/>
           </a:p>
@@ -1631,7 +1624,7 @@
           <a:lstStyle/>
           <a:p>
             <a:r>
-              <a:rPr lang="en-US" smtClean="0"/>
+              <a:rPr lang="en-US"/>
               <a:t>Click to edit Master title style</a:t>
             </a:r>
             <a:endParaRPr lang="en-US" dirty="0"/>
@@ -1660,38 +1653,37 @@
           <a:p>
             <a:pPr lvl="0"/>
             <a:r>
-              <a:rPr lang="en-US" smtClean="0"/>
+              <a:rPr lang="en-US"/>
               <a:t>Click to edit Master text styles</a:t>
             </a:r>
           </a:p>
           <a:p>
             <a:pPr lvl="1"/>
             <a:r>
-              <a:rPr lang="en-US" smtClean="0"/>
+              <a:rPr lang="en-US"/>
               <a:t>Second level</a:t>
             </a:r>
           </a:p>
           <a:p>
             <a:pPr lvl="2"/>
             <a:r>
-              <a:rPr lang="en-US" smtClean="0"/>
+              <a:rPr lang="en-US"/>
               <a:t>Third level</a:t>
             </a:r>
           </a:p>
           <a:p>
             <a:pPr lvl="3"/>
             <a:r>
-              <a:rPr lang="en-US" smtClean="0"/>
+              <a:rPr lang="en-US"/>
               <a:t>Fourth level</a:t>
             </a:r>
           </a:p>
           <a:p>
             <a:pPr lvl="4"/>
             <a:r>
-              <a:rPr lang="en-US" smtClean="0"/>
+              <a:rPr lang="en-US"/>
               <a:t>Fifth level</a:t>
             </a:r>
-            <a:endParaRPr lang="en-US"/>
           </a:p>
         </p:txBody>
       </p:sp>
@@ -1712,7 +1704,7 @@
           <a:p>
             <a:fld id="{A56EEE0E-EDB0-4D84-86B0-50833DF22902}" type="datetime2">
               <a:rPr lang="en-US" smtClean="0"/>
-              <a:t>Sunday, December 3, 17</a:t>
+              <a:t>Sunday, December 3, 2017</a:t>
             </a:fld>
             <a:endParaRPr lang="en-US"/>
           </a:p>
@@ -1807,7 +1799,7 @@
           <a:lstStyle/>
           <a:p>
             <a:r>
-              <a:rPr lang="en-US" smtClean="0"/>
+              <a:rPr lang="en-US"/>
               <a:t>Click to edit Master title style</a:t>
             </a:r>
             <a:endParaRPr lang="en-US" dirty="0"/>
@@ -1836,35 +1828,35 @@
           <a:p>
             <a:pPr lvl="0"/>
             <a:r>
-              <a:rPr lang="en-US" smtClean="0"/>
+              <a:rPr lang="en-US"/>
               <a:t>Click to edit Master text styles</a:t>
             </a:r>
           </a:p>
           <a:p>
             <a:pPr lvl="1"/>
             <a:r>
-              <a:rPr lang="en-US" smtClean="0"/>
+              <a:rPr lang="en-US"/>
               <a:t>Second level</a:t>
             </a:r>
           </a:p>
           <a:p>
             <a:pPr lvl="2"/>
             <a:r>
-              <a:rPr lang="en-US" smtClean="0"/>
+              <a:rPr lang="en-US"/>
               <a:t>Third level</a:t>
             </a:r>
           </a:p>
           <a:p>
             <a:pPr lvl="3"/>
             <a:r>
-              <a:rPr lang="en-US" smtClean="0"/>
+              <a:rPr lang="en-US"/>
               <a:t>Fourth level</a:t>
             </a:r>
           </a:p>
           <a:p>
             <a:pPr lvl="4"/>
             <a:r>
-              <a:rPr lang="en-US" smtClean="0"/>
+              <a:rPr lang="en-US"/>
               <a:t>Fifth level</a:t>
             </a:r>
             <a:endParaRPr lang="en-US" dirty="0"/>
@@ -1888,7 +1880,7 @@
           <a:p>
             <a:fld id="{5114372C-B5AB-4C39-B273-B99224EB4DD5}" type="datetime2">
               <a:rPr lang="en-US" smtClean="0"/>
-              <a:t>Sunday, December 3, 17</a:t>
+              <a:t>Sunday, December 3, 2017</a:t>
             </a:fld>
             <a:endParaRPr lang="en-US"/>
           </a:p>
@@ -1979,38 +1971,37 @@
           <a:p>
             <a:pPr lvl="0"/>
             <a:r>
-              <a:rPr lang="en-US" smtClean="0"/>
+              <a:rPr lang="en-US"/>
               <a:t>Click to edit Master text styles</a:t>
             </a:r>
           </a:p>
           <a:p>
             <a:pPr lvl="1"/>
             <a:r>
-              <a:rPr lang="en-US" smtClean="0"/>
+              <a:rPr lang="en-US"/>
               <a:t>Second level</a:t>
             </a:r>
           </a:p>
           <a:p>
             <a:pPr lvl="2"/>
             <a:r>
-              <a:rPr lang="en-US" smtClean="0"/>
+              <a:rPr lang="en-US"/>
               <a:t>Third level</a:t>
             </a:r>
           </a:p>
           <a:p>
             <a:pPr lvl="3"/>
             <a:r>
-              <a:rPr lang="en-US" smtClean="0"/>
+              <a:rPr lang="en-US"/>
               <a:t>Fourth level</a:t>
             </a:r>
           </a:p>
           <a:p>
             <a:pPr lvl="4"/>
             <a:r>
-              <a:rPr lang="en-US" smtClean="0"/>
+              <a:rPr lang="en-US"/>
               <a:t>Fifth level</a:t>
             </a:r>
-            <a:endParaRPr lang="en-US"/>
           </a:p>
         </p:txBody>
       </p:sp>
@@ -2030,10 +2021,9 @@
           <a:lstStyle/>
           <a:p>
             <a:r>
-              <a:rPr lang="en-US" smtClean="0"/>
+              <a:rPr lang="en-US"/>
               <a:t>Click to edit Master title style</a:t>
             </a:r>
-            <a:endParaRPr lang="en-US"/>
           </a:p>
         </p:txBody>
       </p:sp>
@@ -2054,7 +2044,7 @@
           <a:p>
             <a:fld id="{14CB1CAA-32CD-4B55-B92A-B8F0843CACF4}" type="datetime2">
               <a:rPr lang="en-US" smtClean="0"/>
-              <a:t>Sunday, December 3, 17</a:t>
+              <a:t>Sunday, December 3, 2017</a:t>
             </a:fld>
             <a:endParaRPr lang="en-US" dirty="0"/>
           </a:p>
@@ -2151,7 +2141,7 @@
           <a:lstStyle/>
           <a:p>
             <a:r>
-              <a:rPr lang="en-US" sz="6600" dirty="0" smtClean="0">
+              <a:rPr lang="en-US" sz="6600" dirty="0">
                 <a:effectLst>
                   <a:outerShdw blurRad="38100" dist="38100" dir="2700000" algn="tl">
                     <a:srgbClr val="000000">
@@ -2163,16 +2153,6 @@
               </a:rPr>
               <a:t>{</a:t>
             </a:r>
-            <a:endParaRPr lang="en-US" sz="6600" dirty="0">
-              <a:effectLst>
-                <a:outerShdw blurRad="38100" dist="38100" dir="2700000" algn="tl">
-                  <a:srgbClr val="000000">
-                    <a:alpha val="43137"/>
-                  </a:srgbClr>
-                </a:outerShdw>
-              </a:effectLst>
-              <a:latin typeface="+mn-lt"/>
-            </a:endParaRPr>
           </a:p>
         </p:txBody>
       </p:sp>
@@ -2289,7 +2269,7 @@
           <a:p>
             <a:pPr lvl="0"/>
             <a:r>
-              <a:rPr lang="en-US" smtClean="0"/>
+              <a:rPr lang="en-US"/>
               <a:t>Click to edit Master text styles</a:t>
             </a:r>
           </a:p>
@@ -2312,7 +2292,7 @@
           <a:p>
             <a:fld id="{3AD8CDC4-3D19-4983-B478-82F6B8E5AB66}" type="datetime2">
               <a:rPr lang="en-US" smtClean="0"/>
-              <a:t>Sunday, December 3, 17</a:t>
+              <a:t>Sunday, December 3, 2017</a:t>
             </a:fld>
             <a:endParaRPr lang="en-US" dirty="0"/>
           </a:p>
@@ -2404,7 +2384,7 @@
           </a:lstStyle>
           <a:p>
             <a:r>
-              <a:rPr lang="en-US" smtClean="0"/>
+              <a:rPr lang="en-US"/>
               <a:t>Click to edit Master title style</a:t>
             </a:r>
             <a:endParaRPr lang="en-US" dirty="0"/>
@@ -2453,7 +2433,7 @@
           <a:p>
             <a:fld id="{84B82477-D5D3-4181-8C11-75D0F2433A87}" type="datetime2">
               <a:rPr lang="en-US" smtClean="0"/>
-              <a:t>Sunday, December 3, 17</a:t>
+              <a:t>Sunday, December 3, 2017</a:t>
             </a:fld>
             <a:endParaRPr lang="en-US" dirty="0"/>
           </a:p>
@@ -2518,7 +2498,7 @@
           <a:lstStyle/>
           <a:p>
             <a:r>
-              <a:rPr lang="en-US" smtClean="0"/>
+              <a:rPr lang="en-US"/>
               <a:t>Click to edit Master title style</a:t>
             </a:r>
             <a:endParaRPr lang="en-US" dirty="0"/>
@@ -2547,35 +2527,35 @@
           <a:p>
             <a:pPr lvl="0"/>
             <a:r>
-              <a:rPr lang="en-US" smtClean="0"/>
+              <a:rPr lang="en-US"/>
               <a:t>Click to edit Master text styles</a:t>
             </a:r>
           </a:p>
           <a:p>
             <a:pPr lvl="1"/>
             <a:r>
-              <a:rPr lang="en-US" smtClean="0"/>
+              <a:rPr lang="en-US"/>
               <a:t>Second level</a:t>
             </a:r>
           </a:p>
           <a:p>
             <a:pPr lvl="2"/>
             <a:r>
-              <a:rPr lang="en-US" smtClean="0"/>
+              <a:rPr lang="en-US"/>
               <a:t>Third level</a:t>
             </a:r>
           </a:p>
           <a:p>
             <a:pPr lvl="3"/>
             <a:r>
-              <a:rPr lang="en-US" smtClean="0"/>
+              <a:rPr lang="en-US"/>
               <a:t>Fourth level</a:t>
             </a:r>
           </a:p>
           <a:p>
             <a:pPr lvl="4"/>
             <a:r>
-              <a:rPr lang="en-US" smtClean="0"/>
+              <a:rPr lang="en-US"/>
               <a:t>Fifth level</a:t>
             </a:r>
             <a:endParaRPr lang="en-US" dirty="0"/>
@@ -2604,38 +2584,37 @@
           <a:p>
             <a:pPr lvl="0"/>
             <a:r>
-              <a:rPr lang="en-US" smtClean="0"/>
+              <a:rPr lang="en-US"/>
               <a:t>Click to edit Master text styles</a:t>
             </a:r>
           </a:p>
           <a:p>
             <a:pPr lvl="1"/>
             <a:r>
-              <a:rPr lang="en-US" smtClean="0"/>
+              <a:rPr lang="en-US"/>
               <a:t>Second level</a:t>
             </a:r>
           </a:p>
           <a:p>
             <a:pPr lvl="2"/>
             <a:r>
-              <a:rPr lang="en-US" smtClean="0"/>
+              <a:rPr lang="en-US"/>
               <a:t>Third level</a:t>
             </a:r>
           </a:p>
           <a:p>
             <a:pPr lvl="3"/>
             <a:r>
-              <a:rPr lang="en-US" smtClean="0"/>
+              <a:rPr lang="en-US"/>
               <a:t>Fourth level</a:t>
             </a:r>
           </a:p>
           <a:p>
             <a:pPr lvl="4"/>
             <a:r>
-              <a:rPr lang="en-US" smtClean="0"/>
+              <a:rPr lang="en-US"/>
               <a:t>Fifth level</a:t>
             </a:r>
-            <a:endParaRPr lang="en-US"/>
           </a:p>
         </p:txBody>
       </p:sp>
@@ -2725,7 +2704,7 @@
           <a:p>
             <a:pPr lvl="0"/>
             <a:r>
-              <a:rPr lang="en-US" smtClean="0"/>
+              <a:rPr lang="en-US"/>
               <a:t>Click to edit Master text styles</a:t>
             </a:r>
           </a:p>
@@ -2781,35 +2760,35 @@
           <a:p>
             <a:pPr lvl="0"/>
             <a:r>
-              <a:rPr lang="en-US" smtClean="0"/>
+              <a:rPr lang="en-US"/>
               <a:t>Click to edit Master text styles</a:t>
             </a:r>
           </a:p>
           <a:p>
             <a:pPr lvl="1"/>
             <a:r>
-              <a:rPr lang="en-US" smtClean="0"/>
+              <a:rPr lang="en-US"/>
               <a:t>Second level</a:t>
             </a:r>
           </a:p>
           <a:p>
             <a:pPr lvl="2"/>
             <a:r>
-              <a:rPr lang="en-US" smtClean="0"/>
+              <a:rPr lang="en-US"/>
               <a:t>Third level</a:t>
             </a:r>
           </a:p>
           <a:p>
             <a:pPr lvl="3"/>
             <a:r>
-              <a:rPr lang="en-US" smtClean="0"/>
+              <a:rPr lang="en-US"/>
               <a:t>Fourth level</a:t>
             </a:r>
           </a:p>
           <a:p>
             <a:pPr lvl="4"/>
             <a:r>
-              <a:rPr lang="en-US" smtClean="0"/>
+              <a:rPr lang="en-US"/>
               <a:t>Fifth level</a:t>
             </a:r>
             <a:endParaRPr lang="en-US" dirty="0"/>
@@ -2877,7 +2856,7 @@
           <a:p>
             <a:pPr lvl="0"/>
             <a:r>
-              <a:rPr lang="en-US" smtClean="0"/>
+              <a:rPr lang="en-US"/>
               <a:t>Click to edit Master text styles</a:t>
             </a:r>
           </a:p>
@@ -2933,35 +2912,35 @@
           <a:p>
             <a:pPr lvl="0"/>
             <a:r>
-              <a:rPr lang="en-US" smtClean="0"/>
+              <a:rPr lang="en-US"/>
               <a:t>Click to edit Master text styles</a:t>
             </a:r>
           </a:p>
           <a:p>
             <a:pPr lvl="1"/>
             <a:r>
-              <a:rPr lang="en-US" smtClean="0"/>
+              <a:rPr lang="en-US"/>
               <a:t>Second level</a:t>
             </a:r>
           </a:p>
           <a:p>
             <a:pPr lvl="2"/>
             <a:r>
-              <a:rPr lang="en-US" smtClean="0"/>
+              <a:rPr lang="en-US"/>
               <a:t>Third level</a:t>
             </a:r>
           </a:p>
           <a:p>
             <a:pPr lvl="3"/>
             <a:r>
-              <a:rPr lang="en-US" smtClean="0"/>
+              <a:rPr lang="en-US"/>
               <a:t>Fourth level</a:t>
             </a:r>
           </a:p>
           <a:p>
             <a:pPr lvl="4"/>
             <a:r>
-              <a:rPr lang="en-US" smtClean="0"/>
+              <a:rPr lang="en-US"/>
               <a:t>Fifth level</a:t>
             </a:r>
             <a:endParaRPr lang="en-US" dirty="0"/>
@@ -2991,7 +2970,7 @@
           <a:lstStyle/>
           <a:p>
             <a:r>
-              <a:rPr lang="en-US" sz="6000" dirty="0" smtClean="0">
+              <a:rPr lang="en-US" sz="6000" dirty="0">
                 <a:effectLst>
                   <a:outerShdw blurRad="38100" dist="38100" dir="2700000" algn="tl">
                     <a:srgbClr val="000000">
@@ -3003,16 +2982,6 @@
               </a:rPr>
               <a:t>{</a:t>
             </a:r>
-            <a:endParaRPr lang="en-US" sz="6000" dirty="0">
-              <a:effectLst>
-                <a:outerShdw blurRad="38100" dist="38100" dir="2700000" algn="tl">
-                  <a:srgbClr val="000000">
-                    <a:alpha val="43137"/>
-                  </a:srgbClr>
-                </a:outerShdw>
-              </a:effectLst>
-              <a:latin typeface="+mn-lt"/>
-            </a:endParaRPr>
           </a:p>
         </p:txBody>
       </p:sp>
@@ -3039,7 +3008,7 @@
           <a:lstStyle/>
           <a:p>
             <a:r>
-              <a:rPr lang="en-US" sz="6000" dirty="0" smtClean="0">
+              <a:rPr lang="en-US" sz="6000" dirty="0">
                 <a:effectLst>
                   <a:outerShdw blurRad="38100" dist="38100" dir="2700000" algn="tl">
                     <a:srgbClr val="000000">
@@ -3051,16 +3020,6 @@
               </a:rPr>
               <a:t>{</a:t>
             </a:r>
-            <a:endParaRPr lang="en-US" sz="6000" dirty="0">
-              <a:effectLst>
-                <a:outerShdw blurRad="38100" dist="38100" dir="2700000" algn="tl">
-                  <a:srgbClr val="000000">
-                    <a:alpha val="43137"/>
-                  </a:srgbClr>
-                </a:outerShdw>
-              </a:effectLst>
-              <a:latin typeface="+mn-lt"/>
-            </a:endParaRPr>
           </a:p>
         </p:txBody>
       </p:sp>
@@ -3080,7 +3039,7 @@
           <a:lstStyle/>
           <a:p>
             <a:r>
-              <a:rPr lang="en-US" smtClean="0"/>
+              <a:rPr lang="en-US"/>
               <a:t>Click to edit Master title style</a:t>
             </a:r>
             <a:endParaRPr lang="en-US" dirty="0"/>
@@ -3104,7 +3063,7 @@
           <a:p>
             <a:fld id="{213E253B-1893-4367-8BAE-DF4BC10DC578}" type="datetime2">
               <a:rPr lang="en-US" smtClean="0"/>
-              <a:t>Sunday, December 3, 17</a:t>
+              <a:t>Sunday, December 3, 2017</a:t>
             </a:fld>
             <a:endParaRPr lang="en-US" dirty="0"/>
           </a:p>
@@ -3194,10 +3153,9 @@
           <a:lstStyle/>
           <a:p>
             <a:r>
-              <a:rPr lang="en-US" smtClean="0"/>
+              <a:rPr lang="en-US"/>
               <a:t>Click to edit Master title style</a:t>
             </a:r>
-            <a:endParaRPr lang="en-US"/>
           </a:p>
         </p:txBody>
       </p:sp>
@@ -3218,7 +3176,7 @@
           <a:p>
             <a:fld id="{8B62300D-25B3-4603-86C9-4CB776489F00}" type="datetime2">
               <a:rPr lang="en-US" smtClean="0"/>
-              <a:t>Sunday, December 3, 17</a:t>
+              <a:t>Sunday, December 3, 2017</a:t>
             </a:fld>
             <a:endParaRPr lang="en-US" dirty="0"/>
           </a:p>
@@ -3309,7 +3267,7 @@
           <a:p>
             <a:fld id="{C6314AD9-FCC8-48B7-B85B-012A91320DFF}" type="datetime2">
               <a:rPr lang="en-US" smtClean="0"/>
-              <a:t>Sunday, December 3, 17</a:t>
+              <a:t>Sunday, December 3, 2017</a:t>
             </a:fld>
             <a:endParaRPr lang="en-US" dirty="0"/>
           </a:p>
@@ -3406,7 +3364,7 @@
           <a:lstStyle/>
           <a:p>
             <a:r>
-              <a:rPr lang="en-US" sz="8000" dirty="0" smtClean="0">
+              <a:rPr lang="en-US" sz="8000" dirty="0">
                 <a:effectLst>
                   <a:outerShdw blurRad="38100" dist="38100" dir="2700000" algn="tl">
                     <a:srgbClr val="000000">
@@ -3418,16 +3376,6 @@
               </a:rPr>
               <a:t>{</a:t>
             </a:r>
-            <a:endParaRPr lang="en-US" sz="8000" dirty="0">
-              <a:effectLst>
-                <a:outerShdw blurRad="38100" dist="38100" dir="2700000" algn="tl">
-                  <a:srgbClr val="000000">
-                    <a:alpha val="43137"/>
-                  </a:srgbClr>
-                </a:outerShdw>
-              </a:effectLst>
-              <a:latin typeface="+mn-lt"/>
-            </a:endParaRPr>
           </a:p>
         </p:txBody>
       </p:sp>
@@ -3481,35 +3429,35 @@
           <a:p>
             <a:pPr lvl="0"/>
             <a:r>
-              <a:rPr lang="en-US" smtClean="0"/>
+              <a:rPr lang="en-US"/>
               <a:t>Click to edit Master text styles</a:t>
             </a:r>
           </a:p>
           <a:p>
             <a:pPr lvl="1"/>
             <a:r>
-              <a:rPr lang="en-US" smtClean="0"/>
+              <a:rPr lang="en-US"/>
               <a:t>Second level</a:t>
             </a:r>
           </a:p>
           <a:p>
             <a:pPr lvl="2"/>
             <a:r>
-              <a:rPr lang="en-US" smtClean="0"/>
+              <a:rPr lang="en-US"/>
               <a:t>Third level</a:t>
             </a:r>
           </a:p>
           <a:p>
             <a:pPr lvl="3"/>
             <a:r>
-              <a:rPr lang="en-US" smtClean="0"/>
+              <a:rPr lang="en-US"/>
               <a:t>Fourth level</a:t>
             </a:r>
           </a:p>
           <a:p>
             <a:pPr lvl="4"/>
             <a:r>
-              <a:rPr lang="en-US" smtClean="0"/>
+              <a:rPr lang="en-US"/>
               <a:t>Fifth level</a:t>
             </a:r>
             <a:endParaRPr lang="en-US" dirty="0"/>
@@ -3577,7 +3525,7 @@
           <a:p>
             <a:pPr lvl="0"/>
             <a:r>
-              <a:rPr lang="en-US" smtClean="0"/>
+              <a:rPr lang="en-US"/>
               <a:t>Click to edit Master text styles</a:t>
             </a:r>
           </a:p>
@@ -3600,7 +3548,7 @@
           <a:p>
             <a:fld id="{3182DC50-D5DB-4F94-B367-9876CD2C4012}" type="datetime2">
               <a:rPr lang="en-US" smtClean="0"/>
-              <a:t>Sunday, December 3, 17</a:t>
+              <a:t>Sunday, December 3, 2017</a:t>
             </a:fld>
             <a:endParaRPr lang="en-US" dirty="0"/>
           </a:p>
@@ -3665,7 +3613,7 @@
           <a:lstStyle/>
           <a:p>
             <a:r>
-              <a:rPr lang="en-US" smtClean="0"/>
+              <a:rPr lang="en-US"/>
               <a:t>Click to edit Master title style</a:t>
             </a:r>
             <a:endParaRPr lang="en-US" dirty="0"/>
@@ -3762,10 +3710,9 @@
           </a:lstStyle>
           <a:p>
             <a:r>
-              <a:rPr lang="en-US" smtClean="0"/>
+              <a:rPr lang="en-US"/>
               <a:t>Drag picture to placeholder or click icon to add</a:t>
             </a:r>
-            <a:endParaRPr lang="en-US"/>
           </a:p>
         </p:txBody>
       </p:sp>
@@ -3830,7 +3777,7 @@
           <a:p>
             <a:pPr lvl="0"/>
             <a:r>
-              <a:rPr lang="en-US" smtClean="0"/>
+              <a:rPr lang="en-US"/>
               <a:t>Click to edit Master text styles</a:t>
             </a:r>
           </a:p>
@@ -3859,7 +3806,7 @@
           <a:lstStyle/>
           <a:p>
             <a:r>
-              <a:rPr lang="en-US" sz="6000" dirty="0" smtClean="0">
+              <a:rPr lang="en-US" sz="6000" dirty="0">
                 <a:effectLst>
                   <a:outerShdw blurRad="38100" dist="38100" dir="2700000" algn="tl">
                     <a:srgbClr val="000000">
@@ -3871,16 +3818,6 @@
               </a:rPr>
               <a:t>{</a:t>
             </a:r>
-            <a:endParaRPr lang="en-US" sz="6000" dirty="0">
-              <a:effectLst>
-                <a:outerShdw blurRad="38100" dist="38100" dir="2700000" algn="tl">
-                  <a:srgbClr val="000000">
-                    <a:alpha val="43137"/>
-                  </a:srgbClr>
-                </a:outerShdw>
-              </a:effectLst>
-              <a:latin typeface="+mn-lt"/>
-            </a:endParaRPr>
           </a:p>
         </p:txBody>
       </p:sp>
@@ -3900,10 +3837,9 @@
           <a:lstStyle/>
           <a:p>
             <a:r>
-              <a:rPr lang="en-US" smtClean="0"/>
+              <a:rPr lang="en-US"/>
               <a:t>Click to edit Master title style</a:t>
             </a:r>
-            <a:endParaRPr lang="en-US"/>
           </a:p>
         </p:txBody>
       </p:sp>
@@ -3924,7 +3860,7 @@
           <a:p>
             <a:fld id="{292EB412-E790-42EA-81FE-2925D3A43D91}" type="datetime2">
               <a:rPr lang="en-US" smtClean="0"/>
-              <a:t>Sunday, December 3, 17</a:t>
+              <a:t>Sunday, December 3, 2017</a:t>
             </a:fld>
             <a:endParaRPr lang="en-US" dirty="0"/>
           </a:p>
@@ -4277,7 +4213,7 @@
           <a:lstStyle/>
           <a:p>
             <a:r>
-              <a:rPr lang="en-US" smtClean="0"/>
+              <a:rPr lang="en-US"/>
               <a:t>Click to edit Master title style</a:t>
             </a:r>
             <a:endParaRPr lang="en-US" dirty="0"/>
@@ -4311,35 +4247,35 @@
           <a:p>
             <a:pPr lvl="0"/>
             <a:r>
-              <a:rPr lang="en-US" smtClean="0"/>
+              <a:rPr lang="en-US"/>
               <a:t>Click to edit Master text styles</a:t>
             </a:r>
           </a:p>
           <a:p>
             <a:pPr lvl="1"/>
             <a:r>
-              <a:rPr lang="en-US" smtClean="0"/>
+              <a:rPr lang="en-US"/>
               <a:t>Second level</a:t>
             </a:r>
           </a:p>
           <a:p>
             <a:pPr lvl="2"/>
             <a:r>
-              <a:rPr lang="en-US" smtClean="0"/>
+              <a:rPr lang="en-US"/>
               <a:t>Third level</a:t>
             </a:r>
           </a:p>
           <a:p>
             <a:pPr lvl="3"/>
             <a:r>
-              <a:rPr lang="en-US" smtClean="0"/>
+              <a:rPr lang="en-US"/>
               <a:t>Fourth level</a:t>
             </a:r>
           </a:p>
           <a:p>
             <a:pPr lvl="4"/>
             <a:r>
-              <a:rPr lang="en-US" smtClean="0"/>
+              <a:rPr lang="en-US"/>
               <a:t>Fifth level</a:t>
             </a:r>
             <a:endParaRPr lang="en-US" dirty="0"/>
@@ -4382,7 +4318,7 @@
           <a:p>
             <a:fld id="{0B385921-A91A-409C-921C-0E0EC1E750EC}" type="datetime2">
               <a:rPr lang="en-US" smtClean="0"/>
-              <a:t>Sunday, December 3, 17</a:t>
+              <a:t>Sunday, December 3, 2017</a:t>
             </a:fld>
             <a:endParaRPr lang="en-US" dirty="0"/>
           </a:p>
@@ -4910,10 +4846,9 @@
           <a:lstStyle/>
           <a:p>
             <a:r>
-              <a:rPr lang="en-US" dirty="0" smtClean="0"/>
+              <a:rPr lang="en-US" dirty="0"/>
               <a:t>Employment Data Analysis</a:t>
             </a:r>
-            <a:endParaRPr lang="en-US" dirty="0"/>
           </a:p>
         </p:txBody>
       </p:sp>
@@ -4940,10 +4875,9 @@
           <a:lstStyle/>
           <a:p>
             <a:r>
-              <a:rPr lang="en-US" dirty="0" smtClean="0"/>
+              <a:rPr lang="en-US" dirty="0"/>
               <a:t>By Ann Nelson, Noelle Brown, and William Gonzalez</a:t>
             </a:r>
-            <a:endParaRPr lang="en-US" dirty="0"/>
           </a:p>
         </p:txBody>
       </p:sp>
@@ -4998,25 +4932,25 @@
           <a:lstStyle/>
           <a:p>
             <a:r>
-              <a:rPr lang="en-US" dirty="0" smtClean="0"/>
+              <a:rPr lang="en-US" dirty="0"/>
               <a:t>Model Fitting: </a:t>
             </a:r>
             <a:br>
-              <a:rPr lang="en-US" dirty="0" smtClean="0"/>
+              <a:rPr lang="en-US" dirty="0"/>
             </a:br>
             <a:r>
-              <a:rPr lang="en-US" sz="3600" dirty="0" smtClean="0"/>
+              <a:rPr lang="en-US" sz="3600" dirty="0"/>
               <a:t>Logistic Regression Experimentation</a:t>
             </a:r>
             <a:br>
-              <a:rPr lang="en-US" sz="3600" dirty="0" smtClean="0"/>
+              <a:rPr lang="en-US" sz="3600" dirty="0"/>
             </a:br>
             <a:r>
-              <a:rPr lang="en-US" sz="2400" dirty="0" smtClean="0"/>
+              <a:rPr lang="en-US" sz="2400" dirty="0"/>
               <a:t>3. Run ANOVA</a:t>
             </a:r>
             <a:br>
-              <a:rPr lang="en-US" sz="2400" dirty="0" smtClean="0"/>
+              <a:rPr lang="en-US" sz="2400" dirty="0"/>
             </a:br>
             <a:endParaRPr lang="en-US" sz="2400" dirty="0"/>
           </a:p>
@@ -5031,7 +4965,7 @@
           <p:nvPr/>
         </p:nvPicPr>
         <p:blipFill>
-          <a:blip r:embed="rId3">
+          <a:blip r:embed="rId3" cstate="email">
             <a:extLst>
               <a:ext uri="{28A0092B-C50C-407E-A947-70E740481C1C}">
                 <a14:useLocalDpi xmlns:a14="http://schemas.microsoft.com/office/drawing/2010/main" val="0"/>
@@ -5103,29 +5037,25 @@
           <a:lstStyle/>
           <a:p>
             <a:r>
-              <a:rPr lang="en-US" dirty="0" smtClean="0"/>
+              <a:rPr lang="en-US" dirty="0"/>
               <a:t>Model Fitting: </a:t>
             </a:r>
             <a:br>
-              <a:rPr lang="en-US" dirty="0" smtClean="0"/>
+              <a:rPr lang="en-US" dirty="0"/>
             </a:br>
             <a:r>
-              <a:rPr lang="en-US" sz="3600" dirty="0" smtClean="0"/>
+              <a:rPr lang="en-US" sz="3600" dirty="0"/>
               <a:t>Logistic Regression Experimentation</a:t>
             </a:r>
             <a:br>
-              <a:rPr lang="en-US" sz="3600" dirty="0" smtClean="0"/>
+              <a:rPr lang="en-US" sz="3600" dirty="0"/>
             </a:br>
             <a:r>
               <a:rPr lang="en-US" sz="2400" dirty="0"/>
-              <a:t>4</a:t>
-            </a:r>
-            <a:r>
-              <a:rPr lang="en-US" sz="2400" dirty="0" smtClean="0"/>
-              <a:t>. Fitting the model using STEP</a:t>
+              <a:t>4. Fitting the model using STEP</a:t>
             </a:r>
             <a:br>
-              <a:rPr lang="en-US" sz="2400" dirty="0" smtClean="0"/>
+              <a:rPr lang="en-US" sz="2400" dirty="0"/>
             </a:br>
             <a:endParaRPr lang="en-US" sz="2400" dirty="0"/>
           </a:p>
@@ -5140,7 +5070,7 @@
           <p:nvPr/>
         </p:nvPicPr>
         <p:blipFill>
-          <a:blip r:embed="rId3">
+          <a:blip r:embed="rId3" cstate="email">
             <a:extLst>
               <a:ext uri="{28A0092B-C50C-407E-A947-70E740481C1C}">
                 <a14:useLocalDpi xmlns:a14="http://schemas.microsoft.com/office/drawing/2010/main" val="0"/>
@@ -5212,24 +5142,23 @@
           <a:lstStyle/>
           <a:p>
             <a:r>
-              <a:rPr lang="en-US" dirty="0" smtClean="0"/>
+              <a:rPr lang="en-US" dirty="0"/>
               <a:t>Model Fitting: </a:t>
             </a:r>
             <a:br>
-              <a:rPr lang="en-US" dirty="0" smtClean="0"/>
+              <a:rPr lang="en-US" dirty="0"/>
             </a:br>
             <a:r>
-              <a:rPr lang="en-US" sz="3600" dirty="0" smtClean="0"/>
+              <a:rPr lang="en-US" sz="3600" dirty="0"/>
               <a:t>Logistic Regression Experimentation</a:t>
             </a:r>
             <a:br>
-              <a:rPr lang="en-US" sz="3600" dirty="0" smtClean="0"/>
+              <a:rPr lang="en-US" sz="3600" dirty="0"/>
             </a:br>
             <a:r>
-              <a:rPr lang="en-US" sz="2400" dirty="0" smtClean="0"/>
+              <a:rPr lang="en-US" sz="2400" dirty="0"/>
               <a:t>5. Create final training model with top variables</a:t>
             </a:r>
-            <a:endParaRPr lang="en-US" sz="2400" dirty="0"/>
           </a:p>
         </p:txBody>
       </p:sp>
@@ -5242,7 +5171,7 @@
           <p:nvPr/>
         </p:nvPicPr>
         <p:blipFill>
-          <a:blip r:embed="rId3">
+          <a:blip r:embed="rId3" cstate="email">
             <a:extLst>
               <a:ext uri="{28A0092B-C50C-407E-A947-70E740481C1C}">
                 <a14:useLocalDpi xmlns:a14="http://schemas.microsoft.com/office/drawing/2010/main" val="0"/>
@@ -5272,7 +5201,7 @@
           <p:nvPr/>
         </p:nvPicPr>
         <p:blipFill>
-          <a:blip r:embed="rId4">
+          <a:blip r:embed="rId4" cstate="email">
             <a:extLst>
               <a:ext uri="{28A0092B-C50C-407E-A947-70E740481C1C}">
                 <a14:useLocalDpi xmlns:a14="http://schemas.microsoft.com/office/drawing/2010/main" val="0"/>
@@ -5344,31 +5273,30 @@
           <a:lstStyle/>
           <a:p>
             <a:r>
-              <a:rPr lang="en-US" dirty="0" smtClean="0"/>
+              <a:rPr lang="en-US" dirty="0"/>
               <a:t>Model Fitting: </a:t>
             </a:r>
             <a:br>
-              <a:rPr lang="en-US" dirty="0" smtClean="0"/>
+              <a:rPr lang="en-US" dirty="0"/>
             </a:br>
             <a:r>
-              <a:rPr lang="en-US" sz="3600" dirty="0" smtClean="0"/>
+              <a:rPr lang="en-US" sz="3600" dirty="0"/>
               <a:t>Logistic Regression Experimentation</a:t>
             </a:r>
             <a:br>
-              <a:rPr lang="en-US" sz="3600" dirty="0" smtClean="0"/>
+              <a:rPr lang="en-US" sz="3600" dirty="0"/>
             </a:br>
             <a:r>
-              <a:rPr lang="en-US" sz="2400" dirty="0" smtClean="0"/>
+              <a:rPr lang="en-US" sz="2400" dirty="0"/>
               <a:t>6. Run the model against test data to determine accuracy</a:t>
             </a:r>
             <a:br>
-              <a:rPr lang="en-US" sz="2400" dirty="0" smtClean="0"/>
+              <a:rPr lang="en-US" sz="2400" dirty="0"/>
             </a:br>
             <a:r>
-              <a:rPr lang="en-US" sz="2400" dirty="0" smtClean="0"/>
+              <a:rPr lang="en-US" sz="2400" dirty="0"/>
               <a:t>7. Run the Model against All data</a:t>
             </a:r>
-            <a:endParaRPr lang="en-US" sz="2400" dirty="0"/>
           </a:p>
         </p:txBody>
       </p:sp>
@@ -5453,10 +5381,9 @@
           <a:lstStyle/>
           <a:p>
             <a:r>
-              <a:rPr lang="en-US" sz="4000" dirty="0" smtClean="0"/>
+              <a:rPr lang="en-US" sz="4000" dirty="0"/>
               <a:t>Top factors that lead to attrition</a:t>
             </a:r>
-            <a:endParaRPr lang="en-US" sz="4000" dirty="0"/>
           </a:p>
         </p:txBody>
       </p:sp>
@@ -5485,8 +5412,20 @@
                 <a:tableStyleId>{7DF18680-E054-41AD-8BC1-D1AEF772440D}</a:tableStyleId>
               </a:tblPr>
               <a:tblGrid>
-                <a:gridCol w="3048000"/>
-                <a:gridCol w="3048000"/>
+                <a:gridCol w="3048000">
+                  <a:extLst>
+                    <a:ext uri="{9D8B030D-6E8A-4147-A177-3AD203B41FA5}">
+                      <a16:colId xmlns:a16="http://schemas.microsoft.com/office/drawing/2014/main" val="20000"/>
+                    </a:ext>
+                  </a:extLst>
+                </a:gridCol>
+                <a:gridCol w="3048000">
+                  <a:extLst>
+                    <a:ext uri="{9D8B030D-6E8A-4147-A177-3AD203B41FA5}">
+                      <a16:colId xmlns:a16="http://schemas.microsoft.com/office/drawing/2014/main" val="20001"/>
+                    </a:ext>
+                  </a:extLst>
+                </a:gridCol>
               </a:tblGrid>
               <a:tr h="370840">
                 <a:tc>
@@ -5495,10 +5434,9 @@
                     <a:lstStyle/>
                     <a:p>
                       <a:r>
-                        <a:rPr lang="en-US" dirty="0" smtClean="0"/>
+                        <a:rPr lang="en-US" dirty="0"/>
                         <a:t>Factor</a:t>
                       </a:r>
-                      <a:endParaRPr lang="en-US" dirty="0"/>
                     </a:p>
                   </a:txBody>
                   <a:tcPr/>
@@ -5509,11 +5447,11 @@
                     <a:lstStyle/>
                     <a:p>
                       <a:r>
-                        <a:rPr lang="en-US" dirty="0" smtClean="0"/>
+                        <a:rPr lang="en-US" dirty="0"/>
                         <a:t>Odds</a:t>
                       </a:r>
                       <a:r>
-                        <a:rPr lang="en-US" baseline="0" dirty="0" smtClean="0"/>
+                        <a:rPr lang="en-US" baseline="0" dirty="0"/>
                         <a:t> Ratio of Leaving</a:t>
                       </a:r>
                       <a:endParaRPr lang="en-US" dirty="0"/>
@@ -5521,6 +5459,11 @@
                   </a:txBody>
                   <a:tcPr/>
                 </a:tc>
+                <a:extLst>
+                  <a:ext uri="{0D108BD9-81ED-4DB2-BD59-A6C34878D82A}">
+                    <a16:rowId xmlns:a16="http://schemas.microsoft.com/office/drawing/2014/main" val="10000"/>
+                  </a:ext>
+                </a:extLst>
               </a:tr>
               <a:tr h="370840">
                 <a:tc>
@@ -5529,10 +5472,9 @@
                     <a:lstStyle/>
                     <a:p>
                       <a:r>
-                        <a:rPr lang="en-US" dirty="0" smtClean="0"/>
+                        <a:rPr lang="en-US" dirty="0"/>
                         <a:t>Sales Representative</a:t>
                       </a:r>
-                      <a:endParaRPr lang="en-US" dirty="0"/>
                     </a:p>
                   </a:txBody>
                   <a:tcPr/>
@@ -5543,14 +5485,18 @@
                     <a:lstStyle/>
                     <a:p>
                       <a:r>
-                        <a:rPr lang="en-US" dirty="0" smtClean="0"/>
+                        <a:rPr lang="en-US" dirty="0"/>
                         <a:t>8.367</a:t>
                       </a:r>
-                      <a:endParaRPr lang="en-US" dirty="0"/>
                     </a:p>
                   </a:txBody>
                   <a:tcPr/>
                 </a:tc>
+                <a:extLst>
+                  <a:ext uri="{0D108BD9-81ED-4DB2-BD59-A6C34878D82A}">
+                    <a16:rowId xmlns:a16="http://schemas.microsoft.com/office/drawing/2014/main" val="10001"/>
+                  </a:ext>
+                </a:extLst>
               </a:tr>
               <a:tr h="370840">
                 <a:tc>
@@ -5559,10 +5505,9 @@
                     <a:lstStyle/>
                     <a:p>
                       <a:r>
-                        <a:rPr lang="en-US" dirty="0" smtClean="0"/>
+                        <a:rPr lang="en-US" dirty="0"/>
                         <a:t>Work Overtime</a:t>
                       </a:r>
-                      <a:endParaRPr lang="en-US" dirty="0"/>
                     </a:p>
                   </a:txBody>
                   <a:tcPr/>
@@ -5573,14 +5518,18 @@
                     <a:lstStyle/>
                     <a:p>
                       <a:r>
-                        <a:rPr lang="en-US" dirty="0" smtClean="0"/>
+                        <a:rPr lang="en-US" dirty="0"/>
                         <a:t>5.343</a:t>
                       </a:r>
-                      <a:endParaRPr lang="en-US" dirty="0"/>
                     </a:p>
                   </a:txBody>
                   <a:tcPr/>
                 </a:tc>
+                <a:extLst>
+                  <a:ext uri="{0D108BD9-81ED-4DB2-BD59-A6C34878D82A}">
+                    <a16:rowId xmlns:a16="http://schemas.microsoft.com/office/drawing/2014/main" val="10002"/>
+                  </a:ext>
+                </a:extLst>
               </a:tr>
               <a:tr h="370840">
                 <a:tc>
@@ -5589,10 +5538,9 @@
                     <a:lstStyle/>
                     <a:p>
                       <a:r>
-                        <a:rPr lang="en-US" dirty="0" smtClean="0"/>
+                        <a:rPr lang="en-US" dirty="0"/>
                         <a:t>Travel Frequently</a:t>
                       </a:r>
-                      <a:endParaRPr lang="en-US" dirty="0"/>
                     </a:p>
                   </a:txBody>
                   <a:tcPr/>
@@ -5603,14 +5551,18 @@
                     <a:lstStyle/>
                     <a:p>
                       <a:r>
-                        <a:rPr lang="en-US" dirty="0" smtClean="0"/>
+                        <a:rPr lang="en-US" dirty="0"/>
                         <a:t>4.787</a:t>
                       </a:r>
-                      <a:endParaRPr lang="en-US" dirty="0"/>
                     </a:p>
                   </a:txBody>
                   <a:tcPr/>
                 </a:tc>
+                <a:extLst>
+                  <a:ext uri="{0D108BD9-81ED-4DB2-BD59-A6C34878D82A}">
+                    <a16:rowId xmlns:a16="http://schemas.microsoft.com/office/drawing/2014/main" val="10003"/>
+                  </a:ext>
+                </a:extLst>
               </a:tr>
               <a:tr h="370840">
                 <a:tc>
@@ -5619,10 +5571,9 @@
                     <a:lstStyle/>
                     <a:p>
                       <a:r>
-                        <a:rPr lang="en-US" dirty="0" smtClean="0"/>
+                        <a:rPr lang="en-US" dirty="0"/>
                         <a:t>Laboratory Technician</a:t>
                       </a:r>
-                      <a:endParaRPr lang="en-US" dirty="0"/>
                     </a:p>
                   </a:txBody>
                   <a:tcPr/>
@@ -5633,14 +5584,18 @@
                     <a:lstStyle/>
                     <a:p>
                       <a:r>
-                        <a:rPr lang="en-US" dirty="0" smtClean="0"/>
+                        <a:rPr lang="en-US" dirty="0"/>
                         <a:t>3.69</a:t>
                       </a:r>
-                      <a:endParaRPr lang="en-US" dirty="0"/>
                     </a:p>
                   </a:txBody>
                   <a:tcPr/>
                 </a:tc>
+                <a:extLst>
+                  <a:ext uri="{0D108BD9-81ED-4DB2-BD59-A6C34878D82A}">
+                    <a16:rowId xmlns:a16="http://schemas.microsoft.com/office/drawing/2014/main" val="10004"/>
+                  </a:ext>
+                </a:extLst>
               </a:tr>
               <a:tr h="370840">
                 <a:tc>
@@ -5649,10 +5604,9 @@
                     <a:lstStyle/>
                     <a:p>
                       <a:r>
-                        <a:rPr lang="en-US" dirty="0" smtClean="0"/>
+                        <a:rPr lang="en-US" dirty="0"/>
                         <a:t>Human Resources</a:t>
                       </a:r>
-                      <a:endParaRPr lang="en-US" dirty="0"/>
                     </a:p>
                   </a:txBody>
                   <a:tcPr/>
@@ -5663,14 +5617,18 @@
                     <a:lstStyle/>
                     <a:p>
                       <a:r>
-                        <a:rPr lang="en-US" dirty="0" smtClean="0"/>
+                        <a:rPr lang="en-US" dirty="0"/>
                         <a:t>3.455</a:t>
                       </a:r>
-                      <a:endParaRPr lang="en-US" dirty="0"/>
                     </a:p>
                   </a:txBody>
                   <a:tcPr/>
                 </a:tc>
+                <a:extLst>
+                  <a:ext uri="{0D108BD9-81ED-4DB2-BD59-A6C34878D82A}">
+                    <a16:rowId xmlns:a16="http://schemas.microsoft.com/office/drawing/2014/main" val="10005"/>
+                  </a:ext>
+                </a:extLst>
               </a:tr>
               <a:tr h="370840">
                 <a:tc>
@@ -5679,10 +5637,9 @@
                     <a:lstStyle/>
                     <a:p>
                       <a:r>
-                        <a:rPr lang="en-US" dirty="0" smtClean="0"/>
+                        <a:rPr lang="en-US" dirty="0"/>
                         <a:t>Sales Executive</a:t>
                       </a:r>
-                      <a:endParaRPr lang="en-US" dirty="0"/>
                     </a:p>
                   </a:txBody>
                   <a:tcPr/>
@@ -5693,14 +5650,18 @@
                     <a:lstStyle/>
                     <a:p>
                       <a:r>
-                        <a:rPr lang="en-US" dirty="0" smtClean="0"/>
+                        <a:rPr lang="en-US" dirty="0"/>
                         <a:t>3.15</a:t>
                       </a:r>
-                      <a:endParaRPr lang="en-US" dirty="0"/>
                     </a:p>
                   </a:txBody>
                   <a:tcPr/>
                 </a:tc>
+                <a:extLst>
+                  <a:ext uri="{0D108BD9-81ED-4DB2-BD59-A6C34878D82A}">
+                    <a16:rowId xmlns:a16="http://schemas.microsoft.com/office/drawing/2014/main" val="10006"/>
+                  </a:ext>
+                </a:extLst>
               </a:tr>
               <a:tr h="370840">
                 <a:tc>
@@ -5709,10 +5670,9 @@
                     <a:lstStyle/>
                     <a:p>
                       <a:r>
-                        <a:rPr lang="en-US" dirty="0" smtClean="0"/>
+                        <a:rPr lang="en-US" dirty="0"/>
                         <a:t>Travel Rarely</a:t>
                       </a:r>
-                      <a:endParaRPr lang="en-US" dirty="0"/>
                     </a:p>
                   </a:txBody>
                   <a:tcPr/>
@@ -5723,14 +5683,18 @@
                     <a:lstStyle/>
                     <a:p>
                       <a:r>
-                        <a:rPr lang="en-US" dirty="0" smtClean="0"/>
+                        <a:rPr lang="en-US" dirty="0"/>
                         <a:t>2.216</a:t>
                       </a:r>
-                      <a:endParaRPr lang="en-US" dirty="0"/>
                     </a:p>
                   </a:txBody>
                   <a:tcPr/>
                 </a:tc>
+                <a:extLst>
+                  <a:ext uri="{0D108BD9-81ED-4DB2-BD59-A6C34878D82A}">
+                    <a16:rowId xmlns:a16="http://schemas.microsoft.com/office/drawing/2014/main" val="10007"/>
+                  </a:ext>
+                </a:extLst>
               </a:tr>
               <a:tr h="370840">
                 <a:tc>
@@ -5739,10 +5703,9 @@
                     <a:lstStyle/>
                     <a:p>
                       <a:r>
-                        <a:rPr lang="en-US" dirty="0" smtClean="0"/>
+                        <a:rPr lang="en-US" dirty="0"/>
                         <a:t>Research Scientist</a:t>
                       </a:r>
-                      <a:endParaRPr lang="en-US" dirty="0"/>
                     </a:p>
                   </a:txBody>
                   <a:tcPr/>
@@ -5753,14 +5716,18 @@
                     <a:lstStyle/>
                     <a:p>
                       <a:r>
-                        <a:rPr lang="en-US" dirty="0" smtClean="0"/>
+                        <a:rPr lang="en-US" dirty="0"/>
                         <a:t>1.769</a:t>
                       </a:r>
-                      <a:endParaRPr lang="en-US" dirty="0"/>
                     </a:p>
                   </a:txBody>
                   <a:tcPr/>
                 </a:tc>
+                <a:extLst>
+                  <a:ext uri="{0D108BD9-81ED-4DB2-BD59-A6C34878D82A}">
+                    <a16:rowId xmlns:a16="http://schemas.microsoft.com/office/drawing/2014/main" val="10008"/>
+                  </a:ext>
+                </a:extLst>
               </a:tr>
               <a:tr h="370840">
                 <a:tc>
@@ -5769,10 +5736,9 @@
                     <a:lstStyle/>
                     <a:p>
                       <a:r>
-                        <a:rPr lang="en-US" dirty="0" smtClean="0"/>
+                        <a:rPr lang="en-US" dirty="0"/>
                         <a:t>Manager</a:t>
                       </a:r>
-                      <a:endParaRPr lang="en-US" dirty="0"/>
                     </a:p>
                   </a:txBody>
                   <a:tcPr/>
@@ -5783,14 +5749,18 @@
                     <a:lstStyle/>
                     <a:p>
                       <a:r>
-                        <a:rPr lang="en-US" dirty="0" smtClean="0"/>
+                        <a:rPr lang="en-US" dirty="0"/>
                         <a:t>1.555</a:t>
                       </a:r>
-                      <a:endParaRPr lang="en-US" dirty="0"/>
                     </a:p>
                   </a:txBody>
                   <a:tcPr/>
                 </a:tc>
+                <a:extLst>
+                  <a:ext uri="{0D108BD9-81ED-4DB2-BD59-A6C34878D82A}">
+                    <a16:rowId xmlns:a16="http://schemas.microsoft.com/office/drawing/2014/main" val="10009"/>
+                  </a:ext>
+                </a:extLst>
               </a:tr>
               <a:tr h="370840">
                 <a:tc>
@@ -5799,10 +5769,9 @@
                     <a:lstStyle/>
                     <a:p>
                       <a:r>
-                        <a:rPr lang="en-US" dirty="0" smtClean="0"/>
+                        <a:rPr lang="en-US" dirty="0"/>
                         <a:t>Number of Companies Worked</a:t>
                       </a:r>
-                      <a:endParaRPr lang="en-US" dirty="0"/>
                     </a:p>
                   </a:txBody>
                   <a:tcPr/>
@@ -5813,14 +5782,18 @@
                     <a:lstStyle/>
                     <a:p>
                       <a:r>
-                        <a:rPr lang="en-US" dirty="0" smtClean="0"/>
+                        <a:rPr lang="en-US" dirty="0"/>
                         <a:t>1.119</a:t>
                       </a:r>
-                      <a:endParaRPr lang="en-US" dirty="0"/>
                     </a:p>
                   </a:txBody>
                   <a:tcPr/>
                 </a:tc>
+                <a:extLst>
+                  <a:ext uri="{0D108BD9-81ED-4DB2-BD59-A6C34878D82A}">
+                    <a16:rowId xmlns:a16="http://schemas.microsoft.com/office/drawing/2014/main" val="10010"/>
+                  </a:ext>
+                </a:extLst>
               </a:tr>
               <a:tr h="370840">
                 <a:tc>
@@ -5829,11 +5802,11 @@
                     <a:lstStyle/>
                     <a:p>
                       <a:r>
-                        <a:rPr lang="en-US" dirty="0" smtClean="0"/>
+                        <a:rPr lang="en-US" dirty="0"/>
                         <a:t>Distance from</a:t>
                       </a:r>
                       <a:r>
-                        <a:rPr lang="en-US" baseline="0" dirty="0" smtClean="0"/>
+                        <a:rPr lang="en-US" baseline="0" dirty="0"/>
                         <a:t> Home</a:t>
                       </a:r>
                       <a:endParaRPr lang="en-US" dirty="0"/>
@@ -5847,14 +5820,18 @@
                     <a:lstStyle/>
                     <a:p>
                       <a:r>
-                        <a:rPr lang="en-US" dirty="0" smtClean="0"/>
+                        <a:rPr lang="en-US" dirty="0"/>
                         <a:t>1.036</a:t>
                       </a:r>
-                      <a:endParaRPr lang="en-US" dirty="0"/>
                     </a:p>
                   </a:txBody>
                   <a:tcPr/>
                 </a:tc>
+                <a:extLst>
+                  <a:ext uri="{0D108BD9-81ED-4DB2-BD59-A6C34878D82A}">
+                    <a16:rowId xmlns:a16="http://schemas.microsoft.com/office/drawing/2014/main" val="10011"/>
+                  </a:ext>
+                </a:extLst>
               </a:tr>
             </a:tbl>
           </a:graphicData>
@@ -5913,74 +5890,38 @@
           <a:lstStyle/>
           <a:p>
             <a:r>
-              <a:rPr lang="en-US" sz="2800" u="sng" dirty="0" smtClean="0"/>
-              <a:t>Sales </a:t>
-            </a:r>
-            <a:r>
               <a:rPr lang="en-US" sz="2800" u="sng" dirty="0"/>
-              <a:t>Representatives</a:t>
+              <a:t>Sales Representatives</a:t>
             </a:r>
             <a:r>
               <a:rPr lang="en-US" sz="2800" dirty="0"/>
-              <a:t> (</a:t>
-            </a:r>
-            <a:r>
-              <a:rPr lang="en-US" sz="2800" dirty="0" smtClean="0"/>
-              <a:t>8 </a:t>
+              <a:t> (8 times more likely to have Attrition than any other category)</a:t>
+            </a:r>
+          </a:p>
+          <a:p>
+            <a:r>
+              <a:rPr lang="en-US" sz="2800" u="sng" dirty="0"/>
+              <a:t>Working Overtime</a:t>
             </a:r>
             <a:r>
               <a:rPr lang="en-US" sz="2800" dirty="0"/>
-              <a:t>times more likely to have Attrition than any other </a:t>
-            </a:r>
-            <a:r>
-              <a:rPr lang="en-US" sz="2800" dirty="0" smtClean="0"/>
-              <a:t>category)</a:t>
-            </a:r>
-          </a:p>
-          <a:p>
-            <a:r>
-              <a:rPr lang="en-US" sz="2800" u="sng" dirty="0" smtClean="0"/>
-              <a:t>Working Overtime</a:t>
-            </a:r>
-            <a:r>
-              <a:rPr lang="en-US" sz="2800" dirty="0" smtClean="0"/>
-              <a:t> (5 </a:t>
+              <a:t> (5 times more likely)</a:t>
+            </a:r>
+          </a:p>
+          <a:p>
+            <a:r>
+              <a:rPr lang="en-US" sz="2800" u="sng" dirty="0"/>
+              <a:t>Travel frequently</a:t>
             </a:r>
             <a:r>
               <a:rPr lang="en-US" sz="2800" dirty="0"/>
-              <a:t>times more </a:t>
-            </a:r>
-            <a:r>
-              <a:rPr lang="en-US" sz="2800" dirty="0" smtClean="0"/>
-              <a:t>likely)</a:t>
-            </a:r>
-          </a:p>
-          <a:p>
-            <a:r>
-              <a:rPr lang="en-US" sz="2800" u="sng" dirty="0" smtClean="0"/>
-              <a:t>Travel </a:t>
-            </a:r>
-            <a:r>
-              <a:rPr lang="en-US" sz="2800" u="sng" dirty="0"/>
-              <a:t>frequently</a:t>
-            </a:r>
+              <a:t> (4 times more likely) </a:t>
+            </a:r>
+          </a:p>
+          <a:p>
             <a:r>
               <a:rPr lang="en-US" sz="2800" dirty="0"/>
-              <a:t> </a:t>
-            </a:r>
-            <a:r>
-              <a:rPr lang="en-US" sz="2800" dirty="0" smtClean="0"/>
-              <a:t>(4 times more likely) </a:t>
-            </a:r>
-          </a:p>
-          <a:p>
-            <a:r>
-              <a:rPr lang="en-US" sz="2800" dirty="0" smtClean="0"/>
-              <a:t>Job </a:t>
-            </a:r>
-            <a:r>
-              <a:rPr lang="en-US" sz="2800" dirty="0"/>
-              <a:t>Roles like </a:t>
+              <a:t>Job Roles like </a:t>
             </a:r>
             <a:r>
               <a:rPr lang="en-US" sz="2800" u="sng" dirty="0"/>
@@ -5996,13 +5937,8 @@
             </a:r>
             <a:r>
               <a:rPr lang="en-US" sz="2800" dirty="0"/>
-              <a:t> are more likely to </a:t>
-            </a:r>
-            <a:r>
-              <a:rPr lang="en-US" sz="2800" dirty="0" smtClean="0"/>
-              <a:t>leave</a:t>
-            </a:r>
-            <a:endParaRPr lang="en-US" sz="2800" dirty="0"/>
+              <a:t> are more likely to leave</a:t>
+            </a:r>
           </a:p>
         </p:txBody>
       </p:sp>
@@ -6022,10 +5958,9 @@
           <a:lstStyle/>
           <a:p>
             <a:r>
-              <a:rPr lang="en-US" dirty="0" smtClean="0"/>
+              <a:rPr lang="en-US" dirty="0"/>
               <a:t>Key Findings</a:t>
             </a:r>
-            <a:endParaRPr lang="en-US" dirty="0"/>
           </a:p>
         </p:txBody>
       </p:sp>
@@ -6082,7 +6017,7 @@
           <a:lstStyle/>
           <a:p>
             <a:r>
-              <a:rPr lang="en-US" dirty="0" smtClean="0"/>
+              <a:rPr lang="en-US" dirty="0"/>
               <a:t>Job Role Specific Trends</a:t>
             </a:r>
           </a:p>
@@ -6114,10 +6049,9 @@
           <a:lstStyle/>
           <a:p>
             <a:r>
-              <a:rPr lang="en-US" dirty="0" smtClean="0"/>
+              <a:rPr lang="en-US" dirty="0"/>
               <a:t>Job Roles</a:t>
             </a:r>
-            <a:endParaRPr lang="en-US" dirty="0"/>
           </a:p>
         </p:txBody>
       </p:sp>
@@ -6308,7 +6242,7 @@
           <p:nvPr/>
         </p:nvPicPr>
         <p:blipFill>
-          <a:blip r:embed="rId2">
+          <a:blip r:embed="rId2" cstate="email">
             <a:extLst>
               <a:ext uri="{28A0092B-C50C-407E-A947-70E740481C1C}">
                 <a14:useLocalDpi xmlns:a14="http://schemas.microsoft.com/office/drawing/2010/main" val="0"/>
@@ -6375,10 +6309,9 @@
           <a:lstStyle/>
           <a:p>
             <a:r>
-              <a:rPr lang="en-US" dirty="0" smtClean="0"/>
+              <a:rPr lang="en-US" dirty="0"/>
               <a:t>Education</a:t>
             </a:r>
-            <a:endParaRPr lang="en-US" dirty="0"/>
           </a:p>
         </p:txBody>
       </p:sp>
@@ -6458,10 +6391,9 @@
           <a:lstStyle/>
           <a:p>
             <a:r>
-              <a:rPr lang="en-US" dirty="0" smtClean="0"/>
+              <a:rPr lang="en-US" dirty="0"/>
               <a:t>Age</a:t>
             </a:r>
-            <a:endParaRPr lang="en-US" dirty="0"/>
           </a:p>
         </p:txBody>
       </p:sp>
@@ -6541,10 +6473,9 @@
           <a:lstStyle/>
           <a:p>
             <a:r>
-              <a:rPr lang="en-US" dirty="0" smtClean="0"/>
+              <a:rPr lang="en-US" dirty="0"/>
               <a:t>Our Project</a:t>
             </a:r>
-            <a:endParaRPr lang="en-US" dirty="0"/>
           </a:p>
         </p:txBody>
       </p:sp>
@@ -6557,7 +6488,7 @@
           <p:nvPr/>
         </p:nvPicPr>
         <p:blipFill>
-          <a:blip r:embed="rId2">
+          <a:blip r:embed="rId2" cstate="email">
             <a:extLst>
               <a:ext uri="{28A0092B-C50C-407E-A947-70E740481C1C}">
                 <a14:useLocalDpi xmlns:a14="http://schemas.microsoft.com/office/drawing/2010/main" val="0"/>
@@ -6624,10 +6555,9 @@
           <a:lstStyle/>
           <a:p>
             <a:r>
-              <a:rPr lang="en-US" dirty="0" smtClean="0"/>
+              <a:rPr lang="en-US" dirty="0"/>
               <a:t>Job Involvement</a:t>
             </a:r>
-            <a:endParaRPr lang="en-US" dirty="0"/>
           </a:p>
         </p:txBody>
       </p:sp>
@@ -6707,10 +6637,9 @@
           <a:lstStyle/>
           <a:p>
             <a:r>
-              <a:rPr lang="en-US" dirty="0" smtClean="0"/>
+              <a:rPr lang="en-US" dirty="0"/>
               <a:t>Gender</a:t>
             </a:r>
-            <a:endParaRPr lang="en-US" dirty="0"/>
           </a:p>
         </p:txBody>
       </p:sp>
@@ -6790,10 +6719,9 @@
           <a:lstStyle/>
           <a:p>
             <a:r>
-              <a:rPr lang="en-US" dirty="0" smtClean="0"/>
+              <a:rPr lang="en-US" dirty="0"/>
               <a:t>Monthly Income</a:t>
             </a:r>
-            <a:endParaRPr lang="en-US" dirty="0"/>
           </a:p>
         </p:txBody>
       </p:sp>
@@ -6873,10 +6801,9 @@
           <a:lstStyle/>
           <a:p>
             <a:r>
-              <a:rPr lang="en-US" sz="4000" dirty="0" smtClean="0"/>
+              <a:rPr lang="en-US" sz="4000" dirty="0"/>
               <a:t>Number of Companies Worked</a:t>
             </a:r>
-            <a:endParaRPr lang="en-US" sz="4000" dirty="0"/>
           </a:p>
         </p:txBody>
       </p:sp>
@@ -6956,10 +6883,9 @@
           <a:lstStyle/>
           <a:p>
             <a:r>
-              <a:rPr lang="en-US" dirty="0" smtClean="0"/>
+              <a:rPr lang="en-US" dirty="0"/>
               <a:t>Years at Company</a:t>
             </a:r>
-            <a:endParaRPr lang="en-US" dirty="0"/>
           </a:p>
         </p:txBody>
       </p:sp>
@@ -7039,10 +6965,9 @@
           <a:lstStyle/>
           <a:p>
             <a:r>
-              <a:rPr lang="en-US" sz="4400" dirty="0" smtClean="0"/>
+              <a:rPr lang="en-US" sz="4400" dirty="0"/>
               <a:t>Years with Current Manager</a:t>
             </a:r>
-            <a:endParaRPr lang="en-US" sz="4400" dirty="0"/>
           </a:p>
         </p:txBody>
       </p:sp>
@@ -7129,7 +7054,7 @@
           <a:lstStyle/>
           <a:p>
             <a:r>
-              <a:rPr lang="en-US" dirty="0" smtClean="0"/>
+              <a:rPr lang="en-US" dirty="0"/>
               <a:t>Company Specific Trends</a:t>
             </a:r>
           </a:p>
@@ -7161,10 +7086,9 @@
           <a:lstStyle/>
           <a:p>
             <a:r>
-              <a:rPr lang="en-US" dirty="0" smtClean="0"/>
+              <a:rPr lang="en-US" dirty="0"/>
               <a:t>Company Specifics</a:t>
             </a:r>
-            <a:endParaRPr lang="en-US" dirty="0"/>
           </a:p>
         </p:txBody>
       </p:sp>
@@ -7408,13 +7332,8 @@
           <a:p>
             <a:r>
               <a:rPr lang="en-US" sz="2800" dirty="0"/>
-              <a:t>BusinessTravel, OverTime, JobInvolvement, PerformanceRating, seem to be unbalanced. All other Variables seem </a:t>
-            </a:r>
-            <a:r>
-              <a:rPr lang="en-US" sz="2800" dirty="0" smtClean="0"/>
-              <a:t>balanced</a:t>
-            </a:r>
-            <a:endParaRPr lang="en-US" sz="2800" dirty="0"/>
+              <a:t>BusinessTravel, OverTime, JobInvolvement, PerformanceRating, seem to be unbalanced. All other Variables seem balanced</a:t>
+            </a:r>
           </a:p>
           <a:p>
             <a:r>
@@ -7440,10 +7359,9 @@
           <a:lstStyle/>
           <a:p>
             <a:r>
-              <a:rPr lang="en-US" dirty="0" smtClean="0"/>
+              <a:rPr lang="en-US" dirty="0"/>
               <a:t>Initial Observations</a:t>
             </a:r>
-            <a:endParaRPr lang="en-US" dirty="0"/>
           </a:p>
         </p:txBody>
       </p:sp>
@@ -7740,7 +7658,7 @@
           <a:lstStyle/>
           <a:p>
             <a:r>
-              <a:rPr lang="en-US" dirty="0" smtClean="0"/>
+              <a:rPr lang="en-US" dirty="0"/>
               <a:t>Job Satisfaction Trends</a:t>
             </a:r>
           </a:p>
@@ -7772,10 +7690,9 @@
           <a:lstStyle/>
           <a:p>
             <a:r>
-              <a:rPr lang="en-US" dirty="0" smtClean="0"/>
+              <a:rPr lang="en-US" dirty="0"/>
               <a:t>Job Satisfaction</a:t>
             </a:r>
-            <a:endParaRPr lang="en-US" dirty="0"/>
           </a:p>
         </p:txBody>
       </p:sp>
@@ -7831,7 +7748,7 @@
         </p:blipFill>
         <p:spPr>
           <a:xfrm>
-            <a:off x="0" y="1181100"/>
+            <a:off x="0" y="1494998"/>
             <a:ext cx="9144000" cy="4493172"/>
           </a:xfrm>
           <a:prstGeom prst="rect">
@@ -7839,6 +7756,59 @@
           </a:prstGeom>
         </p:spPr>
       </p:pic>
+      <p:sp>
+        <p:nvSpPr>
+          <p:cNvPr id="3" name="TextBox 2">
+            <a:extLst>
+              <a:ext uri="{FF2B5EF4-FFF2-40B4-BE49-F238E27FC236}">
+                <a16:creationId xmlns:a16="http://schemas.microsoft.com/office/drawing/2014/main" id="{AA640E09-B632-4EED-A73A-5CCC478D87AB}"/>
+              </a:ext>
+            </a:extLst>
+          </p:cNvPr>
+          <p:cNvSpPr txBox="1"/>
+          <p:nvPr/>
+        </p:nvSpPr>
+        <p:spPr>
+          <a:xfrm>
+            <a:off x="0" y="1494998"/>
+            <a:ext cx="9143999" cy="646331"/>
+          </a:xfrm>
+          <a:prstGeom prst="rect">
+            <a:avLst/>
+          </a:prstGeom>
+          <a:solidFill>
+            <a:schemeClr val="tx1"/>
+          </a:solidFill>
+        </p:spPr>
+        <p:txBody>
+          <a:bodyPr wrap="square" rtlCol="0">
+            <a:spAutoFit/>
+          </a:bodyPr>
+          <a:lstStyle/>
+          <a:p>
+            <a:pPr algn="ctr"/>
+            <a:r>
+              <a:rPr lang="en-US" dirty="0">
+                <a:solidFill>
+                  <a:schemeClr val="bg1"/>
+                </a:solidFill>
+              </a:rPr>
+              <a:t>Job Satisfaction Increases with Decreasing Hourly Rate</a:t>
+            </a:r>
+          </a:p>
+          <a:p>
+            <a:pPr algn="ctr"/>
+            <a:r>
+              <a:rPr lang="en-US" dirty="0">
+                <a:solidFill>
+                  <a:schemeClr val="bg1"/>
+                </a:solidFill>
+              </a:rPr>
+              <a:t>p-value = .05</a:t>
+            </a:r>
+          </a:p>
+        </p:txBody>
+      </p:sp>
     </p:spTree>
     <p:extLst>
       <p:ext uri="{BB962C8B-B14F-4D97-AF65-F5344CB8AC3E}">
@@ -8010,10 +7980,9 @@
           <a:lstStyle/>
           <a:p>
             <a:r>
-              <a:rPr lang="en-US" dirty="0" smtClean="0"/>
+              <a:rPr lang="en-US" dirty="0"/>
               <a:t>Interesting Findings</a:t>
             </a:r>
-            <a:endParaRPr lang="en-US" dirty="0"/>
           </a:p>
         </p:txBody>
       </p:sp>
@@ -8033,10 +8002,9 @@
           <a:lstStyle/>
           <a:p>
             <a:r>
-              <a:rPr lang="en-US" dirty="0" smtClean="0"/>
+              <a:rPr lang="en-US" dirty="0"/>
               <a:t>Other interesting findings from our analysis</a:t>
             </a:r>
-            <a:endParaRPr lang="en-US" dirty="0"/>
           </a:p>
         </p:txBody>
       </p:sp>
@@ -8148,10 +8116,9 @@
           <a:lstStyle/>
           <a:p>
             <a:r>
-              <a:rPr lang="en-US" dirty="0" smtClean="0"/>
+              <a:rPr lang="en-US" dirty="0"/>
               <a:t>An analysis of the top factors that lead to voluntary employee turnover</a:t>
             </a:r>
-            <a:endParaRPr lang="en-US" dirty="0"/>
           </a:p>
         </p:txBody>
       </p:sp>
@@ -8171,10 +8138,9 @@
           <a:lstStyle/>
           <a:p>
             <a:r>
-              <a:rPr lang="en-US" dirty="0" smtClean="0"/>
+              <a:rPr lang="en-US" dirty="0"/>
               <a:t>Attrition Analysis</a:t>
             </a:r>
-            <a:endParaRPr lang="en-US" dirty="0"/>
           </a:p>
         </p:txBody>
       </p:sp>
@@ -8229,10 +8195,9 @@
           <a:lstStyle/>
           <a:p>
             <a:r>
-              <a:rPr lang="en-US" sz="2800" dirty="0" smtClean="0"/>
+              <a:rPr lang="en-US" sz="2800" dirty="0"/>
               <a:t>This is similar for Monthly Income vs. Daily Rate, Monthly Rate vs. Daily Rate, &amp; Monthly Income vs. Monthly Rate</a:t>
             </a:r>
-            <a:endParaRPr lang="en-US" sz="2800" dirty="0"/>
           </a:p>
         </p:txBody>
       </p:sp>
@@ -8312,10 +8277,9 @@
           <a:lstStyle/>
           <a:p>
             <a:r>
-              <a:rPr lang="en-US" dirty="0" smtClean="0"/>
+              <a:rPr lang="en-US" dirty="0"/>
               <a:t>Regression Analysis</a:t>
             </a:r>
-            <a:endParaRPr lang="en-US" dirty="0"/>
           </a:p>
         </p:txBody>
       </p:sp>
@@ -8328,7 +8292,7 @@
           <p:nvPr/>
         </p:nvPicPr>
         <p:blipFill>
-          <a:blip r:embed="rId3">
+          <a:blip r:embed="rId3" cstate="email">
             <a:extLst>
               <a:ext uri="{28A0092B-C50C-407E-A947-70E740481C1C}">
                 <a14:useLocalDpi xmlns:a14="http://schemas.microsoft.com/office/drawing/2010/main" val="0"/>
@@ -8400,17 +8364,16 @@
           <a:lstStyle/>
           <a:p>
             <a:r>
-              <a:rPr lang="en-US" dirty="0" smtClean="0"/>
+              <a:rPr lang="en-US" dirty="0"/>
               <a:t>Linear Regression</a:t>
             </a:r>
             <a:br>
-              <a:rPr lang="en-US" dirty="0" smtClean="0"/>
+              <a:rPr lang="en-US" dirty="0"/>
             </a:br>
             <a:r>
-              <a:rPr lang="en-US" sz="3600" dirty="0" smtClean="0"/>
+              <a:rPr lang="en-US" sz="3600" dirty="0"/>
               <a:t>Continuous vs Binary</a:t>
             </a:r>
-            <a:endParaRPr lang="en-US" sz="3600" dirty="0"/>
           </a:p>
         </p:txBody>
       </p:sp>
@@ -8423,7 +8386,7 @@
           <p:nvPr/>
         </p:nvPicPr>
         <p:blipFill>
-          <a:blip r:embed="rId3">
+          <a:blip r:embed="rId3" cstate="email">
             <a:extLst>
               <a:ext uri="{28A0092B-C50C-407E-A947-70E740481C1C}">
                 <a14:useLocalDpi xmlns:a14="http://schemas.microsoft.com/office/drawing/2010/main" val="0"/>
@@ -8490,17 +8453,16 @@
           <a:lstStyle/>
           <a:p>
             <a:r>
-              <a:rPr lang="en-US" dirty="0" smtClean="0"/>
+              <a:rPr lang="en-US" dirty="0"/>
               <a:t>Logistic Regression</a:t>
             </a:r>
             <a:br>
-              <a:rPr lang="en-US" dirty="0" smtClean="0"/>
+              <a:rPr lang="en-US" dirty="0"/>
             </a:br>
             <a:r>
-              <a:rPr lang="en-US" sz="3600" dirty="0" smtClean="0"/>
+              <a:rPr lang="en-US" sz="3600" dirty="0"/>
               <a:t>Logit function</a:t>
             </a:r>
-            <a:endParaRPr lang="en-US" sz="3600" dirty="0"/>
           </a:p>
         </p:txBody>
       </p:sp>
@@ -8513,7 +8475,7 @@
           <p:nvPr/>
         </p:nvPicPr>
         <p:blipFill>
-          <a:blip r:embed="rId3">
+          <a:blip r:embed="rId3" cstate="email">
             <a:extLst>
               <a:ext uri="{28A0092B-C50C-407E-A947-70E740481C1C}">
                 <a14:useLocalDpi xmlns:a14="http://schemas.microsoft.com/office/drawing/2010/main" val="0"/>
@@ -8586,24 +8548,8 @@
               <a:buAutoNum type="arabicPeriod"/>
             </a:pPr>
             <a:r>
-              <a:rPr lang="en-US" dirty="0" smtClean="0"/>
-              <a:t>Split </a:t>
-            </a:r>
-            <a:r>
               <a:rPr lang="en-US" dirty="0"/>
-              <a:t>the data into </a:t>
-            </a:r>
-            <a:r>
-              <a:rPr lang="en-US" dirty="0" smtClean="0"/>
-              <a:t>training </a:t>
-            </a:r>
-            <a:r>
-              <a:rPr lang="en-US" dirty="0"/>
-              <a:t>and test </a:t>
-            </a:r>
-            <a:r>
-              <a:rPr lang="en-US" dirty="0" smtClean="0"/>
-              <a:t>data</a:t>
+              <a:t>Split the data into training and test data</a:t>
             </a:r>
           </a:p>
           <a:p>
@@ -8613,11 +8559,7 @@
             </a:pPr>
             <a:r>
               <a:rPr lang="en-US" dirty="0"/>
-              <a:t>Define null + full models for the training </a:t>
-            </a:r>
-            <a:r>
-              <a:rPr lang="en-US" dirty="0" smtClean="0"/>
-              <a:t>data</a:t>
+              <a:t>Define null + full models for the training data</a:t>
             </a:r>
           </a:p>
           <a:p>
@@ -8627,11 +8569,7 @@
             </a:pPr>
             <a:r>
               <a:rPr lang="en-US" dirty="0"/>
-              <a:t>Run </a:t>
-            </a:r>
-            <a:r>
-              <a:rPr lang="en-US" dirty="0" smtClean="0"/>
-              <a:t>ANOVA</a:t>
+              <a:t>Run ANOVA</a:t>
             </a:r>
           </a:p>
           <a:p>
@@ -8641,11 +8579,7 @@
             </a:pPr>
             <a:r>
               <a:rPr lang="en-US" dirty="0"/>
-              <a:t>Fitting the model using </a:t>
-            </a:r>
-            <a:r>
-              <a:rPr lang="en-US" dirty="0" smtClean="0"/>
-              <a:t>STEP</a:t>
+              <a:t>Fitting the model using STEP</a:t>
             </a:r>
           </a:p>
           <a:p>
@@ -8655,11 +8589,7 @@
             </a:pPr>
             <a:r>
               <a:rPr lang="en-US" dirty="0"/>
-              <a:t>Create Final Training Model with top variables (lowest p-value)</a:t>
-            </a:r>
-            <a:r>
-              <a:rPr lang="en-US" dirty="0" smtClean="0"/>
-              <a:t>.</a:t>
+              <a:t>Create Final Training Model with top variables (lowest p-value).</a:t>
             </a:r>
           </a:p>
           <a:p>
@@ -8669,19 +8599,7 @@
             </a:pPr>
             <a:r>
               <a:rPr lang="en-US" dirty="0"/>
-              <a:t>Test Final Training Model Against Test </a:t>
-            </a:r>
-            <a:r>
-              <a:rPr lang="en-US" dirty="0" smtClean="0"/>
-              <a:t>data to determine the accuracy </a:t>
-            </a:r>
-            <a:r>
-              <a:rPr lang="en-US" dirty="0"/>
-              <a:t>of </a:t>
-            </a:r>
-            <a:r>
-              <a:rPr lang="en-US" dirty="0" smtClean="0"/>
-              <a:t>the model. </a:t>
+              <a:t>Test Final Training Model Against Test data to determine the accuracy of the model. </a:t>
             </a:r>
           </a:p>
           <a:p>
@@ -8693,7 +8611,6 @@
               <a:rPr lang="en-US" dirty="0"/>
               <a:t>Obtain Odd Ratio of covariences</a:t>
             </a:r>
-            <a:endParaRPr lang="en-US" dirty="0" smtClean="0"/>
           </a:p>
         </p:txBody>
       </p:sp>
@@ -8718,17 +8635,16 @@
           <a:lstStyle/>
           <a:p>
             <a:r>
-              <a:rPr lang="en-US" dirty="0" smtClean="0"/>
+              <a:rPr lang="en-US" dirty="0"/>
               <a:t>Model Fitting: </a:t>
             </a:r>
             <a:br>
-              <a:rPr lang="en-US" dirty="0" smtClean="0"/>
+              <a:rPr lang="en-US" dirty="0"/>
             </a:br>
             <a:r>
-              <a:rPr lang="en-US" sz="3600" dirty="0" smtClean="0"/>
+              <a:rPr lang="en-US" sz="3600" dirty="0"/>
               <a:t>Logistic Regression Experimentation</a:t>
             </a:r>
-            <a:endParaRPr lang="en-US" sz="3600" dirty="0"/>
           </a:p>
         </p:txBody>
       </p:sp>
@@ -8783,31 +8699,30 @@
           <a:lstStyle/>
           <a:p>
             <a:r>
-              <a:rPr lang="en-US" dirty="0" smtClean="0"/>
+              <a:rPr lang="en-US" dirty="0"/>
               <a:t>Model Fitting: </a:t>
             </a:r>
             <a:br>
-              <a:rPr lang="en-US" dirty="0" smtClean="0"/>
+              <a:rPr lang="en-US" dirty="0"/>
             </a:br>
             <a:r>
-              <a:rPr lang="en-US" sz="3600" dirty="0" smtClean="0"/>
+              <a:rPr lang="en-US" sz="3600" dirty="0"/>
               <a:t>Logistic Regression Experimentation</a:t>
             </a:r>
             <a:br>
-              <a:rPr lang="en-US" sz="3600" dirty="0" smtClean="0"/>
+              <a:rPr lang="en-US" sz="3600" dirty="0"/>
             </a:br>
             <a:r>
-              <a:rPr lang="en-US" sz="2400" dirty="0" smtClean="0"/>
+              <a:rPr lang="en-US" sz="2400" dirty="0"/>
               <a:t>1. Split data 80/20</a:t>
             </a:r>
             <a:br>
-              <a:rPr lang="en-US" sz="2400" dirty="0" smtClean="0"/>
+              <a:rPr lang="en-US" sz="2400" dirty="0"/>
             </a:br>
             <a:r>
-              <a:rPr lang="en-US" sz="2400" dirty="0" smtClean="0"/>
+              <a:rPr lang="en-US" sz="2400" dirty="0"/>
               <a:t>2. Define Null &amp; Full Models </a:t>
             </a:r>
-            <a:endParaRPr lang="en-US" sz="2400" dirty="0"/>
           </a:p>
         </p:txBody>
       </p:sp>
@@ -8820,7 +8735,7 @@
           <p:nvPr/>
         </p:nvPicPr>
         <p:blipFill>
-          <a:blip r:embed="rId3">
+          <a:blip r:embed="rId3" cstate="email">
             <a:extLst>
               <a:ext uri="{28A0092B-C50C-407E-A947-70E740481C1C}">
                 <a14:useLocalDpi xmlns:a14="http://schemas.microsoft.com/office/drawing/2010/main" val="0"/>
@@ -9416,7 +9331,7 @@
   <a:extraClrSchemeLst/>
   <a:extLst>
     <a:ext uri="{05A4C25C-085E-4340-85A3-A5531E510DB2}">
-      <thm15:themeFamily xmlns:thm15="http://schemas.microsoft.com/office/thememl/2012/main" xmlns="" name="Office Theme" id="{62F939B6-93AF-4DB8-9C6B-D6C7DFDC589F}" vid="{4A3C46E8-61CC-4603-A589-7422A47A8E4A}"/>
+      <thm15:themeFamily xmlns:thm15="http://schemas.microsoft.com/office/thememl/2012/main" name="Office Theme" id="{62F939B6-93AF-4DB8-9C6B-D6C7DFDC589F}" vid="{4A3C46E8-61CC-4603-A589-7422A47A8E4A}"/>
     </a:ext>
   </a:extLst>
 </a:theme>
